--- a/report/RECORD LINKAGE.pptx
+++ b/report/RECORD LINKAGE.pptx
@@ -12,8 +12,10 @@
     <p:sldId id="261" r:id="rId6"/>
     <p:sldId id="260" r:id="rId7"/>
     <p:sldId id="262" r:id="rId8"/>
-    <p:sldId id="263" r:id="rId9"/>
-    <p:sldId id="264" r:id="rId10"/>
+    <p:sldId id="266" r:id="rId9"/>
+    <p:sldId id="267" r:id="rId10"/>
+    <p:sldId id="265" r:id="rId11"/>
+    <p:sldId id="263" r:id="rId12"/>
   </p:sldIdLst>
   <p:sldSz cx="12192000" cy="6858000"/>
   <p:notesSz cx="6858000" cy="9144000"/>
@@ -276,7 +278,7 @@
           <a:p>
             <a:fld id="{02AC24A9-CCB6-4F8D-B8DB-C2F3692CFA5A}" type="datetimeFigureOut">
               <a:rPr lang="en-US" smtClean="0"/>
-              <a:t>7/13/20</a:t>
+              <a:t>7/14/2020</a:t>
             </a:fld>
             <a:endParaRPr lang="en-US" dirty="0"/>
           </a:p>
@@ -646,7 +648,7 @@
           <a:p>
             <a:fld id="{02AC24A9-CCB6-4F8D-B8DB-C2F3692CFA5A}" type="datetimeFigureOut">
               <a:rPr lang="en-US" smtClean="0"/>
-              <a:t>7/13/20</a:t>
+              <a:t>7/14/2020</a:t>
             </a:fld>
             <a:endParaRPr lang="en-US"/>
           </a:p>
@@ -855,7 +857,7 @@
           <a:p>
             <a:fld id="{02AC24A9-CCB6-4F8D-B8DB-C2F3692CFA5A}" type="datetimeFigureOut">
               <a:rPr lang="en-US" smtClean="0"/>
-              <a:t>7/13/20</a:t>
+              <a:t>7/14/2020</a:t>
             </a:fld>
             <a:endParaRPr lang="en-US"/>
           </a:p>
@@ -1325,7 +1327,7 @@
           <a:p>
             <a:fld id="{02AC24A9-CCB6-4F8D-B8DB-C2F3692CFA5A}" type="datetimeFigureOut">
               <a:rPr lang="en-US" smtClean="0"/>
-              <a:t>7/13/20</a:t>
+              <a:t>7/14/2020</a:t>
             </a:fld>
             <a:endParaRPr lang="en-US"/>
           </a:p>
@@ -1779,7 +1781,7 @@
           <a:p>
             <a:fld id="{02AC24A9-CCB6-4F8D-B8DB-C2F3692CFA5A}" type="datetimeFigureOut">
               <a:rPr lang="en-US" smtClean="0"/>
-              <a:t>7/13/20</a:t>
+              <a:t>7/14/2020</a:t>
             </a:fld>
             <a:endParaRPr lang="en-US"/>
           </a:p>
@@ -2311,7 +2313,7 @@
           <a:p>
             <a:fld id="{02AC24A9-CCB6-4F8D-B8DB-C2F3692CFA5A}" type="datetimeFigureOut">
               <a:rPr lang="en-US" smtClean="0"/>
-              <a:t>7/13/20</a:t>
+              <a:t>7/14/2020</a:t>
             </a:fld>
             <a:endParaRPr lang="en-US"/>
           </a:p>
@@ -3010,7 +3012,7 @@
           <a:p>
             <a:fld id="{02AC24A9-CCB6-4F8D-B8DB-C2F3692CFA5A}" type="datetimeFigureOut">
               <a:rPr lang="en-US" smtClean="0"/>
-              <a:t>7/13/20</a:t>
+              <a:t>7/14/2020</a:t>
             </a:fld>
             <a:endParaRPr lang="en-US"/>
           </a:p>
@@ -3339,7 +3341,7 @@
           <a:p>
             <a:fld id="{02AC24A9-CCB6-4F8D-B8DB-C2F3692CFA5A}" type="datetimeFigureOut">
               <a:rPr lang="en-US" smtClean="0"/>
-              <a:t>7/13/20</a:t>
+              <a:t>7/14/2020</a:t>
             </a:fld>
             <a:endParaRPr lang="en-US"/>
           </a:p>
@@ -3452,7 +3454,7 @@
           <a:p>
             <a:fld id="{02AC24A9-CCB6-4F8D-B8DB-C2F3692CFA5A}" type="datetimeFigureOut">
               <a:rPr lang="en-US" smtClean="0"/>
-              <a:t>7/13/20</a:t>
+              <a:t>7/14/2020</a:t>
             </a:fld>
             <a:endParaRPr lang="en-US"/>
           </a:p>
@@ -3947,7 +3949,7 @@
           <a:p>
             <a:fld id="{02AC24A9-CCB6-4F8D-B8DB-C2F3692CFA5A}" type="datetimeFigureOut">
               <a:rPr lang="en-US" smtClean="0"/>
-              <a:t>7/13/20</a:t>
+              <a:t>7/14/2020</a:t>
             </a:fld>
             <a:endParaRPr lang="en-US" dirty="0"/>
           </a:p>
@@ -4424,7 +4426,7 @@
           <a:p>
             <a:fld id="{02AC24A9-CCB6-4F8D-B8DB-C2F3692CFA5A}" type="datetimeFigureOut">
               <a:rPr lang="en-US" smtClean="0"/>
-              <a:t>7/13/20</a:t>
+              <a:t>7/14/2020</a:t>
             </a:fld>
             <a:endParaRPr lang="en-US"/>
           </a:p>
@@ -4667,7 +4669,7 @@
           <a:p>
             <a:fld id="{02AC24A9-CCB6-4F8D-B8DB-C2F3692CFA5A}" type="datetimeFigureOut">
               <a:rPr lang="en-US" smtClean="0"/>
-              <a:t>7/13/20</a:t>
+              <a:t>7/14/2020</a:t>
             </a:fld>
             <a:endParaRPr lang="en-US"/>
           </a:p>
@@ -5417,6 +5419,845 @@
 </p:sld>
 </file>
 
+<file path=ppt/slides/slide10.xml><?xml version="1.0" encoding="utf-8"?>
+<p:sld xmlns:a="http://schemas.openxmlformats.org/drawingml/2006/main" xmlns:r="http://schemas.openxmlformats.org/officeDocument/2006/relationships" xmlns:p="http://schemas.openxmlformats.org/presentationml/2006/main">
+  <p:cSld>
+    <p:bg>
+      <p:bgPr>
+        <a:solidFill>
+          <a:schemeClr val="bg1"/>
+        </a:solidFill>
+        <a:effectLst/>
+      </p:bgPr>
+    </p:bg>
+    <p:spTree>
+      <p:nvGrpSpPr>
+        <p:cNvPr id="1" name=""/>
+        <p:cNvGrpSpPr/>
+        <p:nvPr/>
+      </p:nvGrpSpPr>
+      <p:grpSpPr>
+        <a:xfrm>
+          <a:off x="0" y="0"/>
+          <a:ext cx="0" cy="0"/>
+          <a:chOff x="0" y="0"/>
+          <a:chExt cx="0" cy="0"/>
+        </a:xfrm>
+      </p:grpSpPr>
+      <p:sp useBgFill="1">
+        <p:nvSpPr>
+          <p:cNvPr id="35" name="Rectangle 37">
+            <a:extLst>
+              <a:ext uri="{FF2B5EF4-FFF2-40B4-BE49-F238E27FC236}">
+                <a16:creationId xmlns:a16="http://schemas.microsoft.com/office/drawing/2014/main" id="{0288C6B4-AFC3-407F-A595-EFFD38D4CCAF}"/>
+              </a:ext>
+              <a:ext uri="{C183D7F6-B498-43B3-948B-1728B52AA6E4}">
+                <adec:decorative xmlns:adec="http://schemas.microsoft.com/office/drawing/2017/decorative" val="1"/>
+              </a:ext>
+            </a:extLst>
+          </p:cNvPr>
+          <p:cNvSpPr>
+            <a:spLocks noGrp="1" noRot="1" noChangeAspect="1" noMove="1" noResize="1" noEditPoints="1" noAdjustHandles="1" noChangeArrowheads="1" noChangeShapeType="1" noTextEdit="1"/>
+          </p:cNvSpPr>
+          <p:nvPr>
+            <p:extLst>
+              <p:ext uri="{386F3935-93C4-4BCD-93E2-E3B085C9AB24}">
+                <p16:designElem xmlns:p16="http://schemas.microsoft.com/office/powerpoint/2015/main" val="1"/>
+              </p:ext>
+            </p:extLst>
+          </p:nvPr>
+        </p:nvSpPr>
+        <p:spPr>
+          <a:xfrm>
+            <a:off x="0" y="0"/>
+            <a:ext cx="12192000" cy="6858000"/>
+          </a:xfrm>
+          <a:prstGeom prst="rect">
+            <a:avLst/>
+          </a:prstGeom>
+          <a:ln>
+            <a:noFill/>
+          </a:ln>
+        </p:spPr>
+        <p:style>
+          <a:lnRef idx="2">
+            <a:schemeClr val="accent1">
+              <a:shade val="50000"/>
+            </a:schemeClr>
+          </a:lnRef>
+          <a:fillRef idx="1">
+            <a:schemeClr val="accent1"/>
+          </a:fillRef>
+          <a:effectRef idx="0">
+            <a:schemeClr val="accent1"/>
+          </a:effectRef>
+          <a:fontRef idx="minor">
+            <a:schemeClr val="lt1"/>
+          </a:fontRef>
+        </p:style>
+        <p:txBody>
+          <a:bodyPr rtlCol="0" anchor="ctr"/>
+          <a:lstStyle/>
+          <a:p>
+            <a:pPr algn="ctr"/>
+            <a:endParaRPr lang="en-US"/>
+          </a:p>
+        </p:txBody>
+      </p:sp>
+      <p:sp useBgFill="1">
+        <p:nvSpPr>
+          <p:cNvPr id="36" name="Freeform: Shape 39">
+            <a:extLst>
+              <a:ext uri="{FF2B5EF4-FFF2-40B4-BE49-F238E27FC236}">
+                <a16:creationId xmlns:a16="http://schemas.microsoft.com/office/drawing/2014/main" id="{CF236821-17FE-429B-8D2C-08E13A64EA40}"/>
+              </a:ext>
+              <a:ext uri="{C183D7F6-B498-43B3-948B-1728B52AA6E4}">
+                <adec:decorative xmlns:adec="http://schemas.microsoft.com/office/drawing/2017/decorative" val="1"/>
+              </a:ext>
+            </a:extLst>
+          </p:cNvPr>
+          <p:cNvSpPr>
+            <a:spLocks noGrp="1" noRot="1" noChangeAspect="1" noMove="1" noResize="1" noEditPoints="1" noAdjustHandles="1" noChangeArrowheads="1" noChangeShapeType="1" noTextEdit="1"/>
+          </p:cNvSpPr>
+          <p:nvPr>
+            <p:extLst>
+              <p:ext uri="{386F3935-93C4-4BCD-93E2-E3B085C9AB24}">
+                <p16:designElem xmlns:p16="http://schemas.microsoft.com/office/powerpoint/2015/main" val="1"/>
+              </p:ext>
+            </p:extLst>
+          </p:nvPr>
+        </p:nvSpPr>
+        <p:spPr>
+          <a:xfrm>
+            <a:off x="-1" y="0"/>
+            <a:ext cx="4455673" cy="6858000"/>
+          </a:xfrm>
+          <a:custGeom>
+            <a:avLst/>
+            <a:gdLst>
+              <a:gd name="connsiteX0" fmla="*/ 0 w 4455673"/>
+              <a:gd name="connsiteY0" fmla="*/ 0 h 6858000"/>
+              <a:gd name="connsiteX1" fmla="*/ 3242695 w 4455673"/>
+              <a:gd name="connsiteY1" fmla="*/ 0 h 6858000"/>
+              <a:gd name="connsiteX2" fmla="*/ 3305678 w 4455673"/>
+              <a:gd name="connsiteY2" fmla="*/ 69271 h 6858000"/>
+              <a:gd name="connsiteX3" fmla="*/ 4455673 w 4455673"/>
+              <a:gd name="connsiteY3" fmla="*/ 3429000 h 6858000"/>
+              <a:gd name="connsiteX4" fmla="*/ 3305678 w 4455673"/>
+              <a:gd name="connsiteY4" fmla="*/ 6788730 h 6858000"/>
+              <a:gd name="connsiteX5" fmla="*/ 3242695 w 4455673"/>
+              <a:gd name="connsiteY5" fmla="*/ 6858000 h 6858000"/>
+              <a:gd name="connsiteX6" fmla="*/ 0 w 4455673"/>
+              <a:gd name="connsiteY6" fmla="*/ 6858000 h 6858000"/>
+            </a:gdLst>
+            <a:ahLst/>
+            <a:cxnLst>
+              <a:cxn ang="0">
+                <a:pos x="connsiteX0" y="connsiteY0"/>
+              </a:cxn>
+              <a:cxn ang="0">
+                <a:pos x="connsiteX1" y="connsiteY1"/>
+              </a:cxn>
+              <a:cxn ang="0">
+                <a:pos x="connsiteX2" y="connsiteY2"/>
+              </a:cxn>
+              <a:cxn ang="0">
+                <a:pos x="connsiteX3" y="connsiteY3"/>
+              </a:cxn>
+              <a:cxn ang="0">
+                <a:pos x="connsiteX4" y="connsiteY4"/>
+              </a:cxn>
+              <a:cxn ang="0">
+                <a:pos x="connsiteX5" y="connsiteY5"/>
+              </a:cxn>
+              <a:cxn ang="0">
+                <a:pos x="connsiteX6" y="connsiteY6"/>
+              </a:cxn>
+            </a:cxnLst>
+            <a:rect l="l" t="t" r="r" b="b"/>
+            <a:pathLst>
+              <a:path w="4455673" h="6858000">
+                <a:moveTo>
+                  <a:pt x="0" y="0"/>
+                </a:moveTo>
+                <a:lnTo>
+                  <a:pt x="3242695" y="0"/>
+                </a:lnTo>
+                <a:lnTo>
+                  <a:pt x="3305678" y="69271"/>
+                </a:lnTo>
+                <a:cubicBezTo>
+                  <a:pt x="4016204" y="929100"/>
+                  <a:pt x="4455673" y="2116944"/>
+                  <a:pt x="4455673" y="3429000"/>
+                </a:cubicBezTo>
+                <a:cubicBezTo>
+                  <a:pt x="4455673" y="4741056"/>
+                  <a:pt x="4016204" y="5928900"/>
+                  <a:pt x="3305678" y="6788730"/>
+                </a:cubicBezTo>
+                <a:lnTo>
+                  <a:pt x="3242695" y="6858000"/>
+                </a:lnTo>
+                <a:lnTo>
+                  <a:pt x="0" y="6858000"/>
+                </a:lnTo>
+                <a:close/>
+              </a:path>
+            </a:pathLst>
+          </a:custGeom>
+          <a:ln w="9525">
+            <a:solidFill>
+              <a:schemeClr val="tx2">
+                <a:lumMod val="10000"/>
+                <a:lumOff val="90000"/>
+              </a:schemeClr>
+            </a:solidFill>
+          </a:ln>
+          <a:effectLst>
+            <a:outerShdw blurRad="50800" dist="38100" algn="l" rotWithShape="0">
+              <a:schemeClr val="bg1">
+                <a:lumMod val="85000"/>
+                <a:alpha val="30000"/>
+              </a:schemeClr>
+            </a:outerShdw>
+          </a:effectLst>
+        </p:spPr>
+        <p:style>
+          <a:lnRef idx="2">
+            <a:schemeClr val="accent1">
+              <a:shade val="50000"/>
+            </a:schemeClr>
+          </a:lnRef>
+          <a:fillRef idx="1">
+            <a:schemeClr val="accent1"/>
+          </a:fillRef>
+          <a:effectRef idx="0">
+            <a:schemeClr val="accent1"/>
+          </a:effectRef>
+          <a:fontRef idx="minor">
+            <a:schemeClr val="lt1"/>
+          </a:fontRef>
+        </p:style>
+        <p:txBody>
+          <a:bodyPr wrap="square" rtlCol="0" anchor="ctr">
+            <a:noAutofit/>
+          </a:bodyPr>
+          <a:lstStyle/>
+          <a:p>
+            <a:pPr marL="0" marR="0" lvl="0" indent="0" algn="ctr" defTabSz="914400" rtl="0" eaLnBrk="1" fontAlgn="auto" latinLnBrk="0" hangingPunct="1">
+              <a:lnSpc>
+                <a:spcPct val="100000"/>
+              </a:lnSpc>
+              <a:spcBef>
+                <a:spcPts val="0"/>
+              </a:spcBef>
+              <a:spcAft>
+                <a:spcPts val="0"/>
+              </a:spcAft>
+              <a:buClrTx/>
+              <a:buSzTx/>
+              <a:buFontTx/>
+              <a:buNone/>
+              <a:tabLst/>
+              <a:defRPr/>
+            </a:pPr>
+            <a:endParaRPr kumimoji="0" lang="en-US" sz="1800" b="0" i="0" u="none" strike="noStrike" kern="1200" cap="none" spc="0" normalizeH="0" baseline="0" noProof="0">
+              <a:ln>
+                <a:noFill/>
+              </a:ln>
+              <a:solidFill>
+                <a:prstClr val="white"/>
+              </a:solidFill>
+              <a:effectLst/>
+              <a:uLnTx/>
+              <a:uFillTx/>
+              <a:latin typeface="Calibri" panose="020F0502020204030204"/>
+              <a:ea typeface="+mn-ea"/>
+              <a:cs typeface="+mn-cs"/>
+            </a:endParaRPr>
+          </a:p>
+        </p:txBody>
+      </p:sp>
+      <p:sp useBgFill="1">
+        <p:nvSpPr>
+          <p:cNvPr id="42" name="Freeform: Shape 41">
+            <a:extLst>
+              <a:ext uri="{FF2B5EF4-FFF2-40B4-BE49-F238E27FC236}">
+                <a16:creationId xmlns:a16="http://schemas.microsoft.com/office/drawing/2014/main" id="{C0BDBCD2-E081-43AB-9119-C55465E59757}"/>
+              </a:ext>
+              <a:ext uri="{C183D7F6-B498-43B3-948B-1728B52AA6E4}">
+                <adec:decorative xmlns:adec="http://schemas.microsoft.com/office/drawing/2017/decorative" val="1"/>
+              </a:ext>
+            </a:extLst>
+          </p:cNvPr>
+          <p:cNvSpPr>
+            <a:spLocks noGrp="1" noRot="1" noChangeAspect="1" noMove="1" noResize="1" noEditPoints="1" noAdjustHandles="1" noChangeArrowheads="1" noChangeShapeType="1" noTextEdit="1"/>
+          </p:cNvSpPr>
+          <p:nvPr>
+            <p:extLst>
+              <p:ext uri="{386F3935-93C4-4BCD-93E2-E3B085C9AB24}">
+                <p16:designElem xmlns:p16="http://schemas.microsoft.com/office/powerpoint/2015/main" val="1"/>
+              </p:ext>
+            </p:extLst>
+          </p:nvPr>
+        </p:nvSpPr>
+        <p:spPr>
+          <a:xfrm>
+            <a:off x="0" y="0"/>
+            <a:ext cx="4446529" cy="6858000"/>
+          </a:xfrm>
+          <a:custGeom>
+            <a:avLst/>
+            <a:gdLst>
+              <a:gd name="connsiteX0" fmla="*/ 0 w 4446529"/>
+              <a:gd name="connsiteY0" fmla="*/ 0 h 6858000"/>
+              <a:gd name="connsiteX1" fmla="*/ 3233551 w 4446529"/>
+              <a:gd name="connsiteY1" fmla="*/ 0 h 6858000"/>
+              <a:gd name="connsiteX2" fmla="*/ 3296534 w 4446529"/>
+              <a:gd name="connsiteY2" fmla="*/ 69271 h 6858000"/>
+              <a:gd name="connsiteX3" fmla="*/ 4446529 w 4446529"/>
+              <a:gd name="connsiteY3" fmla="*/ 3429000 h 6858000"/>
+              <a:gd name="connsiteX4" fmla="*/ 3296534 w 4446529"/>
+              <a:gd name="connsiteY4" fmla="*/ 6788730 h 6858000"/>
+              <a:gd name="connsiteX5" fmla="*/ 3233551 w 4446529"/>
+              <a:gd name="connsiteY5" fmla="*/ 6858000 h 6858000"/>
+              <a:gd name="connsiteX6" fmla="*/ 0 w 4446529"/>
+              <a:gd name="connsiteY6" fmla="*/ 6858000 h 6858000"/>
+            </a:gdLst>
+            <a:ahLst/>
+            <a:cxnLst>
+              <a:cxn ang="0">
+                <a:pos x="connsiteX0" y="connsiteY0"/>
+              </a:cxn>
+              <a:cxn ang="0">
+                <a:pos x="connsiteX1" y="connsiteY1"/>
+              </a:cxn>
+              <a:cxn ang="0">
+                <a:pos x="connsiteX2" y="connsiteY2"/>
+              </a:cxn>
+              <a:cxn ang="0">
+                <a:pos x="connsiteX3" y="connsiteY3"/>
+              </a:cxn>
+              <a:cxn ang="0">
+                <a:pos x="connsiteX4" y="connsiteY4"/>
+              </a:cxn>
+              <a:cxn ang="0">
+                <a:pos x="connsiteX5" y="connsiteY5"/>
+              </a:cxn>
+              <a:cxn ang="0">
+                <a:pos x="connsiteX6" y="connsiteY6"/>
+              </a:cxn>
+            </a:cxnLst>
+            <a:rect l="l" t="t" r="r" b="b"/>
+            <a:pathLst>
+              <a:path w="4446529" h="6858000">
+                <a:moveTo>
+                  <a:pt x="0" y="0"/>
+                </a:moveTo>
+                <a:lnTo>
+                  <a:pt x="3233551" y="0"/>
+                </a:lnTo>
+                <a:lnTo>
+                  <a:pt x="3296534" y="69271"/>
+                </a:lnTo>
+                <a:cubicBezTo>
+                  <a:pt x="4007060" y="929100"/>
+                  <a:pt x="4446529" y="2116944"/>
+                  <a:pt x="4446529" y="3429000"/>
+                </a:cubicBezTo>
+                <a:cubicBezTo>
+                  <a:pt x="4446529" y="4741056"/>
+                  <a:pt x="4007060" y="5928900"/>
+                  <a:pt x="3296534" y="6788730"/>
+                </a:cubicBezTo>
+                <a:lnTo>
+                  <a:pt x="3233551" y="6858000"/>
+                </a:lnTo>
+                <a:lnTo>
+                  <a:pt x="0" y="6858000"/>
+                </a:lnTo>
+                <a:close/>
+              </a:path>
+            </a:pathLst>
+          </a:custGeom>
+          <a:ln w="9525">
+            <a:noFill/>
+          </a:ln>
+          <a:effectLst/>
+        </p:spPr>
+        <p:style>
+          <a:lnRef idx="2">
+            <a:schemeClr val="accent1">
+              <a:shade val="50000"/>
+            </a:schemeClr>
+          </a:lnRef>
+          <a:fillRef idx="1">
+            <a:schemeClr val="accent1"/>
+          </a:fillRef>
+          <a:effectRef idx="0">
+            <a:schemeClr val="accent1"/>
+          </a:effectRef>
+          <a:fontRef idx="minor">
+            <a:schemeClr val="lt1"/>
+          </a:fontRef>
+        </p:style>
+        <p:txBody>
+          <a:bodyPr wrap="square" rtlCol="0" anchor="ctr">
+            <a:noAutofit/>
+          </a:bodyPr>
+          <a:lstStyle/>
+          <a:p>
+            <a:pPr marL="0" marR="0" lvl="0" indent="0" algn="ctr" defTabSz="914400" rtl="0" eaLnBrk="1" fontAlgn="auto" latinLnBrk="0" hangingPunct="1">
+              <a:lnSpc>
+                <a:spcPct val="100000"/>
+              </a:lnSpc>
+              <a:spcBef>
+                <a:spcPts val="0"/>
+              </a:spcBef>
+              <a:spcAft>
+                <a:spcPts val="0"/>
+              </a:spcAft>
+              <a:buClrTx/>
+              <a:buSzTx/>
+              <a:buFontTx/>
+              <a:buNone/>
+              <a:tabLst/>
+              <a:defRPr/>
+            </a:pPr>
+            <a:endParaRPr kumimoji="0" lang="en-US" sz="1800" b="0" i="0" u="none" strike="noStrike" kern="1200" cap="none" spc="0" normalizeH="0" baseline="0" noProof="0">
+              <a:ln>
+                <a:noFill/>
+              </a:ln>
+              <a:solidFill>
+                <a:prstClr val="white"/>
+              </a:solidFill>
+              <a:effectLst/>
+              <a:uLnTx/>
+              <a:uFillTx/>
+              <a:latin typeface="Calibri" panose="020F0502020204030204"/>
+              <a:ea typeface="+mn-ea"/>
+              <a:cs typeface="+mn-cs"/>
+            </a:endParaRPr>
+          </a:p>
+        </p:txBody>
+      </p:sp>
+      <p:sp>
+        <p:nvSpPr>
+          <p:cNvPr id="2" name="Titolo 1">
+            <a:extLst>
+              <a:ext uri="{FF2B5EF4-FFF2-40B4-BE49-F238E27FC236}">
+                <a16:creationId xmlns:a16="http://schemas.microsoft.com/office/drawing/2014/main" id="{5EC32BA0-B858-4EF6-8D24-A574DAE41D40}"/>
+              </a:ext>
+            </a:extLst>
+          </p:cNvPr>
+          <p:cNvSpPr>
+            <a:spLocks noGrp="1"/>
+          </p:cNvSpPr>
+          <p:nvPr>
+            <p:ph type="title"/>
+          </p:nvPr>
+        </p:nvSpPr>
+        <p:spPr>
+          <a:xfrm>
+            <a:off x="371094" y="1161288"/>
+            <a:ext cx="3438144" cy="1239012"/>
+          </a:xfrm>
+        </p:spPr>
+        <p:txBody>
+          <a:bodyPr anchor="ctr">
+            <a:normAutofit/>
+          </a:bodyPr>
+          <a:lstStyle/>
+          <a:p>
+            <a:r>
+              <a:rPr lang="it-IT" sz="2800"/>
+              <a:t>GOOGLE MAPS</a:t>
+            </a:r>
+          </a:p>
+        </p:txBody>
+      </p:sp>
+      <p:sp>
+        <p:nvSpPr>
+          <p:cNvPr id="44" name="Rectangle 43">
+            <a:extLst>
+              <a:ext uri="{FF2B5EF4-FFF2-40B4-BE49-F238E27FC236}">
+                <a16:creationId xmlns:a16="http://schemas.microsoft.com/office/drawing/2014/main" id="{98E79BE4-34FE-485A-98A5-92CE8F7C4743}"/>
+              </a:ext>
+              <a:ext uri="{C183D7F6-B498-43B3-948B-1728B52AA6E4}">
+                <adec:decorative xmlns:adec="http://schemas.microsoft.com/office/drawing/2017/decorative" val="1"/>
+              </a:ext>
+            </a:extLst>
+          </p:cNvPr>
+          <p:cNvSpPr>
+            <a:spLocks noGrp="1" noRot="1" noChangeAspect="1" noMove="1" noResize="1" noEditPoints="1" noAdjustHandles="1" noChangeArrowheads="1" noChangeShapeType="1" noTextEdit="1"/>
+          </p:cNvSpPr>
+          <p:nvPr>
+            <p:extLst>
+              <p:ext uri="{386F3935-93C4-4BCD-93E2-E3B085C9AB24}">
+                <p16:designElem xmlns:p16="http://schemas.microsoft.com/office/powerpoint/2015/main" val="1"/>
+              </p:ext>
+            </p:extLst>
+          </p:nvPr>
+        </p:nvSpPr>
+        <p:spPr>
+          <a:xfrm>
+            <a:off x="0" y="1426546"/>
+            <a:ext cx="128016" cy="653903"/>
+          </a:xfrm>
+          <a:prstGeom prst="rect">
+            <a:avLst/>
+          </a:prstGeom>
+          <a:solidFill>
+            <a:schemeClr val="accent1"/>
+          </a:solidFill>
+          <a:ln>
+            <a:noFill/>
+          </a:ln>
+        </p:spPr>
+        <p:style>
+          <a:lnRef idx="2">
+            <a:schemeClr val="accent1">
+              <a:shade val="50000"/>
+            </a:schemeClr>
+          </a:lnRef>
+          <a:fillRef idx="1">
+            <a:schemeClr val="accent1"/>
+          </a:fillRef>
+          <a:effectRef idx="0">
+            <a:schemeClr val="accent1"/>
+          </a:effectRef>
+          <a:fontRef idx="minor">
+            <a:schemeClr val="lt1"/>
+          </a:fontRef>
+        </p:style>
+        <p:txBody>
+          <a:bodyPr rtlCol="0" anchor="ctr"/>
+          <a:lstStyle/>
+          <a:p>
+            <a:pPr marL="0" marR="0" lvl="0" indent="0" algn="ctr" defTabSz="914400" rtl="0" eaLnBrk="1" fontAlgn="auto" latinLnBrk="0" hangingPunct="1">
+              <a:lnSpc>
+                <a:spcPct val="100000"/>
+              </a:lnSpc>
+              <a:spcBef>
+                <a:spcPts val="0"/>
+              </a:spcBef>
+              <a:spcAft>
+                <a:spcPts val="0"/>
+              </a:spcAft>
+              <a:buClrTx/>
+              <a:buSzTx/>
+              <a:buFontTx/>
+              <a:buNone/>
+              <a:tabLst/>
+              <a:defRPr/>
+            </a:pPr>
+            <a:endParaRPr kumimoji="0" lang="en-US" sz="1800" b="0" i="0" u="none" strike="noStrike" kern="1200" cap="none" spc="0" normalizeH="0" baseline="0" noProof="0">
+              <a:ln>
+                <a:noFill/>
+              </a:ln>
+              <a:solidFill>
+                <a:prstClr val="white"/>
+              </a:solidFill>
+              <a:effectLst/>
+              <a:uLnTx/>
+              <a:uFillTx/>
+              <a:latin typeface="Calibri" panose="020F0502020204030204"/>
+              <a:ea typeface="+mn-ea"/>
+              <a:cs typeface="+mn-cs"/>
+            </a:endParaRPr>
+          </a:p>
+        </p:txBody>
+      </p:sp>
+      <p:sp>
+        <p:nvSpPr>
+          <p:cNvPr id="46" name="Rectangle 45">
+            <a:extLst>
+              <a:ext uri="{FF2B5EF4-FFF2-40B4-BE49-F238E27FC236}">
+                <a16:creationId xmlns:a16="http://schemas.microsoft.com/office/drawing/2014/main" id="{7A5F0580-5EE9-419F-96EE-B6529EF6E7D0}"/>
+              </a:ext>
+              <a:ext uri="{C183D7F6-B498-43B3-948B-1728B52AA6E4}">
+                <adec:decorative xmlns:adec="http://schemas.microsoft.com/office/drawing/2017/decorative" val="1"/>
+              </a:ext>
+            </a:extLst>
+          </p:cNvPr>
+          <p:cNvSpPr>
+            <a:spLocks noGrp="1" noRot="1" noChangeAspect="1" noMove="1" noResize="1" noEditPoints="1" noAdjustHandles="1" noChangeArrowheads="1" noChangeShapeType="1" noTextEdit="1"/>
+          </p:cNvSpPr>
+          <p:nvPr>
+            <p:extLst>
+              <p:ext uri="{386F3935-93C4-4BCD-93E2-E3B085C9AB24}">
+                <p16:designElem xmlns:p16="http://schemas.microsoft.com/office/powerpoint/2015/main" val="1"/>
+              </p:ext>
+            </p:extLst>
+          </p:nvPr>
+        </p:nvSpPr>
+        <p:spPr>
+          <a:xfrm>
+            <a:off x="395893" y="2443480"/>
+            <a:ext cx="3383280" cy="18288"/>
+          </a:xfrm>
+          <a:prstGeom prst="rect">
+            <a:avLst/>
+          </a:prstGeom>
+          <a:solidFill>
+            <a:schemeClr val="tx2">
+              <a:lumMod val="25000"/>
+              <a:lumOff val="75000"/>
+            </a:schemeClr>
+          </a:solidFill>
+          <a:ln w="3175">
+            <a:noFill/>
+          </a:ln>
+          <a:effectLst/>
+        </p:spPr>
+        <p:style>
+          <a:lnRef idx="2">
+            <a:schemeClr val="accent1">
+              <a:shade val="50000"/>
+            </a:schemeClr>
+          </a:lnRef>
+          <a:fillRef idx="1">
+            <a:schemeClr val="accent1"/>
+          </a:fillRef>
+          <a:effectRef idx="0">
+            <a:schemeClr val="accent1"/>
+          </a:effectRef>
+          <a:fontRef idx="minor">
+            <a:schemeClr val="lt1"/>
+          </a:fontRef>
+        </p:style>
+        <p:txBody>
+          <a:bodyPr rtlCol="0" anchor="ctr"/>
+          <a:lstStyle/>
+          <a:p>
+            <a:pPr marL="0" marR="0" lvl="0" indent="0" algn="ctr" defTabSz="914400" rtl="0" eaLnBrk="1" fontAlgn="auto" latinLnBrk="0" hangingPunct="1">
+              <a:lnSpc>
+                <a:spcPct val="100000"/>
+              </a:lnSpc>
+              <a:spcBef>
+                <a:spcPts val="0"/>
+              </a:spcBef>
+              <a:spcAft>
+                <a:spcPts val="0"/>
+              </a:spcAft>
+              <a:buClrTx/>
+              <a:buSzTx/>
+              <a:buFontTx/>
+              <a:buNone/>
+              <a:tabLst/>
+              <a:defRPr/>
+            </a:pPr>
+            <a:endParaRPr kumimoji="0" lang="en-US" sz="1800" b="0" i="0" u="none" strike="noStrike" kern="1200" cap="none" spc="0" normalizeH="0" baseline="0" noProof="0">
+              <a:ln>
+                <a:noFill/>
+              </a:ln>
+              <a:solidFill>
+                <a:prstClr val="white"/>
+              </a:solidFill>
+              <a:effectLst/>
+              <a:uLnTx/>
+              <a:uFillTx/>
+              <a:latin typeface="Calibri" panose="020F0502020204030204"/>
+              <a:ea typeface="+mn-ea"/>
+              <a:cs typeface="+mn-cs"/>
+            </a:endParaRPr>
+          </a:p>
+        </p:txBody>
+      </p:sp>
+      <p:sp>
+        <p:nvSpPr>
+          <p:cNvPr id="3" name="Segnaposto contenuto 2">
+            <a:extLst>
+              <a:ext uri="{FF2B5EF4-FFF2-40B4-BE49-F238E27FC236}">
+                <a16:creationId xmlns:a16="http://schemas.microsoft.com/office/drawing/2014/main" id="{1F67E06A-86D0-40D2-A006-C8FD18E5EA45}"/>
+              </a:ext>
+            </a:extLst>
+          </p:cNvPr>
+          <p:cNvSpPr>
+            <a:spLocks noGrp="1"/>
+          </p:cNvSpPr>
+          <p:nvPr>
+            <p:ph idx="1"/>
+          </p:nvPr>
+        </p:nvSpPr>
+        <p:spPr>
+          <a:xfrm>
+            <a:off x="371094" y="2718054"/>
+            <a:ext cx="3438906" cy="3207258"/>
+          </a:xfrm>
+        </p:spPr>
+        <p:txBody>
+          <a:bodyPr anchor="t">
+            <a:normAutofit/>
+          </a:bodyPr>
+          <a:lstStyle/>
+          <a:p>
+            <a:pPr>
+              <a:lnSpc>
+                <a:spcPct val="100000"/>
+              </a:lnSpc>
+            </a:pPr>
+            <a:r>
+              <a:rPr lang="it-IT" sz="1300"/>
+              <a:t>Nei vari dataset le informazioni riguardanti l’indirizzo non erano riportare in maniera uniforme (es. Street in un record e St. in un altro), quindi abbiamo deciso di standardizzare questo parametro ricorrendo alle API di Google Maps.</a:t>
+            </a:r>
+          </a:p>
+          <a:p>
+            <a:pPr>
+              <a:lnSpc>
+                <a:spcPct val="100000"/>
+              </a:lnSpc>
+            </a:pPr>
+            <a:r>
+              <a:rPr lang="it-IT" sz="1300"/>
+              <a:t>Consultando la documentazione abbiamo individuato la funzione Text Search, la quale è molto simile alla funzione di autocompletamento presente su Google Maps e che quindi ci permette di ricavare indirizzo completi partendo da informazioni parziali.</a:t>
+            </a:r>
+          </a:p>
+          <a:p>
+            <a:pPr>
+              <a:lnSpc>
+                <a:spcPct val="100000"/>
+              </a:lnSpc>
+            </a:pPr>
+            <a:endParaRPr lang="it-IT" sz="1300"/>
+          </a:p>
+          <a:p>
+            <a:pPr>
+              <a:lnSpc>
+                <a:spcPct val="100000"/>
+              </a:lnSpc>
+            </a:pPr>
+            <a:endParaRPr lang="it-IT" sz="1300"/>
+          </a:p>
+        </p:txBody>
+      </p:sp>
+      <p:pic>
+        <p:nvPicPr>
+          <p:cNvPr id="37" name="Immagine 36" descr="Immagine che contiene segnale, disegnando&#10;&#10;Descrizione generata automaticamente">
+            <a:extLst>
+              <a:ext uri="{FF2B5EF4-FFF2-40B4-BE49-F238E27FC236}">
+                <a16:creationId xmlns:a16="http://schemas.microsoft.com/office/drawing/2014/main" id="{9DC78F71-1741-426B-B92E-E3566E1082FB}"/>
+              </a:ext>
+            </a:extLst>
+          </p:cNvPr>
+          <p:cNvPicPr>
+            <a:picLocks noChangeAspect="1"/>
+          </p:cNvPicPr>
+          <p:nvPr/>
+        </p:nvPicPr>
+        <p:blipFill>
+          <a:blip r:embed="rId2"/>
+          <a:stretch>
+            <a:fillRect/>
+          </a:stretch>
+        </p:blipFill>
+        <p:spPr>
+          <a:xfrm>
+            <a:off x="5627427" y="2080449"/>
+            <a:ext cx="6096000" cy="3048000"/>
+          </a:xfrm>
+          <a:prstGeom prst="rect">
+            <a:avLst/>
+          </a:prstGeom>
+        </p:spPr>
+      </p:pic>
+    </p:spTree>
+    <p:extLst>
+      <p:ext uri="{BB962C8B-B14F-4D97-AF65-F5344CB8AC3E}">
+        <p14:creationId xmlns:p14="http://schemas.microsoft.com/office/powerpoint/2010/main" val="4213624187"/>
+      </p:ext>
+    </p:extLst>
+  </p:cSld>
+  <p:clrMapOvr>
+    <a:masterClrMapping/>
+  </p:clrMapOvr>
+</p:sld>
+</file>
+
+<file path=ppt/slides/slide11.xml><?xml version="1.0" encoding="utf-8"?>
+<p:sld xmlns:a="http://schemas.openxmlformats.org/drawingml/2006/main" xmlns:r="http://schemas.openxmlformats.org/officeDocument/2006/relationships" xmlns:p="http://schemas.openxmlformats.org/presentationml/2006/main">
+  <p:cSld>
+    <p:spTree>
+      <p:nvGrpSpPr>
+        <p:cNvPr id="1" name=""/>
+        <p:cNvGrpSpPr/>
+        <p:nvPr/>
+      </p:nvGrpSpPr>
+      <p:grpSpPr>
+        <a:xfrm>
+          <a:off x="0" y="0"/>
+          <a:ext cx="0" cy="0"/>
+          <a:chOff x="0" y="0"/>
+          <a:chExt cx="0" cy="0"/>
+        </a:xfrm>
+      </p:grpSpPr>
+      <p:sp>
+        <p:nvSpPr>
+          <p:cNvPr id="2" name="Titolo 1">
+            <a:extLst>
+              <a:ext uri="{FF2B5EF4-FFF2-40B4-BE49-F238E27FC236}">
+                <a16:creationId xmlns:a16="http://schemas.microsoft.com/office/drawing/2014/main" id="{899E8D71-170C-3646-81BE-05D2812057A6}"/>
+              </a:ext>
+            </a:extLst>
+          </p:cNvPr>
+          <p:cNvSpPr>
+            <a:spLocks noGrp="1"/>
+          </p:cNvSpPr>
+          <p:nvPr>
+            <p:ph type="title"/>
+          </p:nvPr>
+        </p:nvSpPr>
+        <p:spPr/>
+        <p:txBody>
+          <a:bodyPr/>
+          <a:lstStyle/>
+          <a:p>
+            <a:r>
+              <a:rPr lang="it-IT" dirty="0"/>
+              <a:t>RISULTATI</a:t>
+            </a:r>
+          </a:p>
+        </p:txBody>
+      </p:sp>
+      <p:sp>
+        <p:nvSpPr>
+          <p:cNvPr id="3" name="Segnaposto contenuto 2">
+            <a:extLst>
+              <a:ext uri="{FF2B5EF4-FFF2-40B4-BE49-F238E27FC236}">
+                <a16:creationId xmlns:a16="http://schemas.microsoft.com/office/drawing/2014/main" id="{687DA713-AD26-4340-A716-BD383725EDA3}"/>
+              </a:ext>
+            </a:extLst>
+          </p:cNvPr>
+          <p:cNvSpPr>
+            <a:spLocks noGrp="1"/>
+          </p:cNvSpPr>
+          <p:nvPr>
+            <p:ph idx="1"/>
+          </p:nvPr>
+        </p:nvSpPr>
+        <p:spPr/>
+        <p:txBody>
+          <a:bodyPr/>
+          <a:lstStyle/>
+          <a:p>
+            <a:endParaRPr lang="it-IT"/>
+          </a:p>
+        </p:txBody>
+      </p:sp>
+    </p:spTree>
+    <p:extLst>
+      <p:ext uri="{BB962C8B-B14F-4D97-AF65-F5344CB8AC3E}">
+        <p14:creationId xmlns:p14="http://schemas.microsoft.com/office/powerpoint/2010/main" val="4059457185"/>
+      </p:ext>
+    </p:extLst>
+  </p:cSld>
+  <p:clrMapOvr>
+    <a:masterClrMapping/>
+  </p:clrMapOvr>
+</p:sld>
+</file>
+
 <file path=ppt/slides/slide2.xml><?xml version="1.0" encoding="utf-8"?>
 <p:sld xmlns:a="http://schemas.openxmlformats.org/drawingml/2006/main" xmlns:r="http://schemas.openxmlformats.org/officeDocument/2006/relationships" xmlns:p="http://schemas.openxmlformats.org/presentationml/2006/main">
   <p:cSld>
@@ -6630,7 +7471,7 @@
         </p:blipFill>
         <p:spPr>
           <a:xfrm>
-            <a:off x="20" y="10"/>
+            <a:off x="55417" y="0"/>
             <a:ext cx="8668492" cy="6857990"/>
           </a:xfrm>
           <a:prstGeom prst="rect">
@@ -7649,7 +8490,7 @@
           <p:cNvPr id="2" name="Titolo 1">
             <a:extLst>
               <a:ext uri="{FF2B5EF4-FFF2-40B4-BE49-F238E27FC236}">
-                <a16:creationId xmlns:a16="http://schemas.microsoft.com/office/drawing/2014/main" id="{899E8D71-170C-3646-81BE-05D2812057A6}"/>
+                <a16:creationId xmlns:a16="http://schemas.microsoft.com/office/drawing/2014/main" id="{C4A7AD1D-131B-4866-A157-6762C1462AA4}"/>
               </a:ext>
             </a:extLst>
           </p:cNvPr>
@@ -7667,7 +8508,7 @@
           <a:p>
             <a:r>
               <a:rPr lang="it-IT" dirty="0"/>
-              <a:t>RISULTATI</a:t>
+              <a:t>FATTO DA SILVIA</a:t>
             </a:r>
           </a:p>
         </p:txBody>
@@ -7677,7 +8518,7 @@
           <p:cNvPr id="3" name="Segnaposto contenuto 2">
             <a:extLst>
               <a:ext uri="{FF2B5EF4-FFF2-40B4-BE49-F238E27FC236}">
-                <a16:creationId xmlns:a16="http://schemas.microsoft.com/office/drawing/2014/main" id="{687DA713-AD26-4340-A716-BD383725EDA3}"/>
+                <a16:creationId xmlns:a16="http://schemas.microsoft.com/office/drawing/2014/main" id="{9051ACDB-BE04-463A-BB78-27954DC70E8F}"/>
               </a:ext>
             </a:extLst>
           </p:cNvPr>
@@ -7700,7 +8541,7 @@
     </p:spTree>
     <p:extLst>
       <p:ext uri="{BB962C8B-B14F-4D97-AF65-F5344CB8AC3E}">
-        <p14:creationId xmlns:p14="http://schemas.microsoft.com/office/powerpoint/2010/main" val="4059457185"/>
+        <p14:creationId xmlns:p14="http://schemas.microsoft.com/office/powerpoint/2010/main" val="997944265"/>
       </p:ext>
     </p:extLst>
   </p:cSld>
@@ -7732,7 +8573,7 @@
           <p:cNvPr id="2" name="Titolo 1">
             <a:extLst>
               <a:ext uri="{FF2B5EF4-FFF2-40B4-BE49-F238E27FC236}">
-                <a16:creationId xmlns:a16="http://schemas.microsoft.com/office/drawing/2014/main" id="{B5CC9800-FAE8-DB44-B026-75025A2DD54A}"/>
+                <a16:creationId xmlns:a16="http://schemas.microsoft.com/office/drawing/2014/main" id="{2A0E6E16-6657-4987-89AC-CF419D83C490}"/>
               </a:ext>
             </a:extLst>
           </p:cNvPr>
@@ -7750,7 +8591,7 @@
           <a:p>
             <a:r>
               <a:rPr lang="it-IT" dirty="0"/>
-              <a:t>CONCLUSIONI</a:t>
+              <a:t>FATTO DA FEDE</a:t>
             </a:r>
           </a:p>
         </p:txBody>
@@ -7760,7 +8601,7 @@
           <p:cNvPr id="3" name="Segnaposto contenuto 2">
             <a:extLst>
               <a:ext uri="{FF2B5EF4-FFF2-40B4-BE49-F238E27FC236}">
-                <a16:creationId xmlns:a16="http://schemas.microsoft.com/office/drawing/2014/main" id="{36C64994-44C8-E74C-9D42-2D2A7305753C}"/>
+                <a16:creationId xmlns:a16="http://schemas.microsoft.com/office/drawing/2014/main" id="{CAB5C2E2-D6C2-4094-B154-F904D9AB50C2}"/>
               </a:ext>
             </a:extLst>
           </p:cNvPr>
@@ -7783,7 +8624,7 @@
     </p:spTree>
     <p:extLst>
       <p:ext uri="{BB962C8B-B14F-4D97-AF65-F5344CB8AC3E}">
-        <p14:creationId xmlns:p14="http://schemas.microsoft.com/office/powerpoint/2010/main" val="2157260361"/>
+        <p14:creationId xmlns:p14="http://schemas.microsoft.com/office/powerpoint/2010/main" val="826032184"/>
       </p:ext>
     </p:extLst>
   </p:cSld>
